--- a/WriterBPSecurity.pptx
+++ b/WriterBPSecurity.pptx
@@ -29,7 +29,6 @@
     <p:sldId id="274" r:id="rId26"/>
     <p:sldId id="275" r:id="rId27"/>
     <p:sldId id="276" r:id="rId28"/>
-    <p:sldId id="277" r:id="rId29"/>
   </p:sldIdLst>
   <p:sldSz cx="24384000" cy="13716000"/>
   <p:notesSz cx="6858000" cy="9144000"/>
@@ -3162,14 +3161,14 @@
       </p:grpSpPr>
       <p:sp>
         <p:nvSpPr>
-          <p:cNvPr id="139" name="画面：在医院，孩子抱着妈妈，妈妈搂着孩子…"/>
+          <p:cNvPr id="139" name="画面：回到现实现桌前，妈妈抱着孩子，让他远离走…"/>
           <p:cNvSpPr txBox="1"/>
           <p:nvPr/>
         </p:nvSpPr>
         <p:spPr>
           <a:xfrm>
             <a:off x="1162843" y="2328862"/>
-            <a:ext cx="19359246" cy="1920876"/>
+            <a:ext cx="14937106" cy="1920876"/>
           </a:xfrm>
           <a:prstGeom prst="rect">
             <a:avLst/>
@@ -3193,7 +3192,7 @@
               <a:defRPr sz="5000"/>
             </a:pPr>
             <a:r>
-              <a:t>画面：在医院，孩子抱着妈妈，妈妈搂着孩子</a:t>
+              <a:t>画面：回到现实现桌前，妈妈抱着孩子，让他远离走</a:t>
             </a:r>
           </a:p>
           <a:p>
@@ -3201,7 +3200,7 @@
               <a:defRPr sz="5000"/>
             </a:pPr>
             <a:r>
-              <a:t>对话泡：小妈妈 “妈妈，你没事吧”  ；姥姥 “ 小不点，你要健康平安”</a:t>
+              <a:t>对话泡：“ 小西，你要健康平安” </a:t>
             </a:r>
           </a:p>
         </p:txBody>
@@ -3234,14 +3233,14 @@
       </p:grpSpPr>
       <p:sp>
         <p:nvSpPr>
-          <p:cNvPr id="141" name="画面：回到现实现桌前，妈妈抱着孩子，让他远离走…"/>
+          <p:cNvPr id="141" name="画面：爸妈躺在床上…"/>
           <p:cNvSpPr txBox="1"/>
           <p:nvPr/>
         </p:nvSpPr>
         <p:spPr>
           <a:xfrm>
-            <a:off x="1162843" y="2328862"/>
-            <a:ext cx="14937106" cy="1920876"/>
+            <a:off x="1162843" y="1884362"/>
+            <a:ext cx="9857106" cy="2809876"/>
           </a:xfrm>
           <a:prstGeom prst="rect">
             <a:avLst/>
@@ -3265,7 +3264,7 @@
               <a:defRPr sz="5000"/>
             </a:pPr>
             <a:r>
-              <a:t>画面：回到现实现桌前，妈妈抱着孩子，让他远离走</a:t>
+              <a:t>画面：爸妈躺在床上</a:t>
             </a:r>
           </a:p>
           <a:p>
@@ -3273,7 +3272,15 @@
               <a:defRPr sz="5000"/>
             </a:pPr>
             <a:r>
-              <a:t>对话泡：“ 小西，你要健康平安” </a:t>
+              <a:t>对话泡：妈妈说起童年经历的火灾</a:t>
+            </a:r>
+          </a:p>
+          <a:p>
+            <a:pPr algn="l">
+              <a:defRPr sz="5000"/>
+            </a:pPr>
+            <a:r>
+              <a:t>“那时候….”</a:t>
             </a:r>
           </a:p>
         </p:txBody>
@@ -3312,8 +3319,8 @@
         </p:nvSpPr>
         <p:spPr>
           <a:xfrm>
-            <a:off x="1162843" y="1884362"/>
-            <a:ext cx="9857106" cy="2809876"/>
+            <a:off x="1162843" y="2328862"/>
+            <a:ext cx="12855576" cy="1920876"/>
           </a:xfrm>
           <a:prstGeom prst="rect">
             <a:avLst/>
@@ -3345,15 +3352,7 @@
               <a:defRPr sz="5000"/>
             </a:pPr>
             <a:r>
-              <a:t>对话泡：妈妈说起童年经历的火灾</a:t>
-            </a:r>
-          </a:p>
-          <a:p>
-            <a:pPr algn="l">
-              <a:defRPr sz="5000"/>
-            </a:pPr>
-            <a:r>
-              <a:t>“那时候….”</a:t>
+              <a:t>对话泡：爸爸说，我知道可以带他去一个地方</a:t>
             </a:r>
           </a:p>
         </p:txBody>
@@ -3386,14 +3385,14 @@
       </p:grpSpPr>
       <p:sp>
         <p:nvSpPr>
-          <p:cNvPr id="145" name="画面：爸妈躺在床上…"/>
+          <p:cNvPr id="145" name="画面：切入 “小猪快跑” VR 体验馆 正面图…"/>
           <p:cNvSpPr txBox="1"/>
           <p:nvPr/>
         </p:nvSpPr>
         <p:spPr>
           <a:xfrm>
-            <a:off x="1162843" y="2328862"/>
-            <a:ext cx="12855576" cy="1920876"/>
+            <a:off x="1162843" y="2319652"/>
+            <a:ext cx="12362816" cy="1939296"/>
           </a:xfrm>
           <a:prstGeom prst="rect">
             <a:avLst/>
@@ -3417,7 +3416,7 @@
               <a:defRPr sz="5000"/>
             </a:pPr>
             <a:r>
-              <a:t>画面：爸妈躺在床上</a:t>
+              <a:t>画面：切入 “小猪快跑” VR 体验馆 正面图  </a:t>
             </a:r>
           </a:p>
           <a:p>
@@ -3425,7 +3424,7 @@
               <a:defRPr sz="5000"/>
             </a:pPr>
             <a:r>
-              <a:t>对话泡：爸爸说，我知道可以带他去一个地方</a:t>
+              <a:t>动作：模拟一个人从正面正门口进入的感觉</a:t>
             </a:r>
           </a:p>
         </p:txBody>
@@ -3458,14 +3457,54 @@
       </p:grpSpPr>
       <p:sp>
         <p:nvSpPr>
-          <p:cNvPr id="147" name="画面：切入 “小猪快跑” VR 体验馆 正面图…"/>
+          <p:cNvPr id="147" name="此为产品介绍"/>
           <p:cNvSpPr txBox="1"/>
           <p:nvPr/>
         </p:nvSpPr>
         <p:spPr>
           <a:xfrm>
-            <a:off x="1162843" y="2319652"/>
-            <a:ext cx="12362816" cy="1939296"/>
+            <a:off x="734218" y="1201737"/>
+            <a:ext cx="3965576" cy="1031876"/>
+          </a:xfrm>
+          <a:prstGeom prst="rect">
+            <a:avLst/>
+          </a:prstGeom>
+          <a:ln w="12700">
+            <a:miter lim="400000"/>
+          </a:ln>
+          <a:extLst>
+            <a:ext uri="{C572A759-6A51-4108-AA02-DFA0A04FC94B}">
+              <ma14:wrappingTextBoxFlag xmlns:ma14="http://schemas.microsoft.com/office/mac/drawingml/2011/main" val="1"/>
+            </a:ext>
+          </a:extLst>
+        </p:spPr>
+        <p:txBody>
+          <a:bodyPr wrap="none" lIns="71437" tIns="71437" rIns="71437" bIns="71437" anchor="ctr">
+            <a:spAutoFit/>
+          </a:bodyPr>
+          <a:lstStyle>
+            <a:lvl1pPr algn="l">
+              <a:defRPr sz="5000"/>
+            </a:lvl1pPr>
+          </a:lstStyle>
+          <a:p>
+            <a:pPr/>
+            <a:r>
+              <a:t>此为产品介绍</a:t>
+            </a:r>
+          </a:p>
+        </p:txBody>
+      </p:sp>
+      <p:sp>
+        <p:nvSpPr>
+          <p:cNvPr id="148" name="画面：有一个人站在旁边，说着介绍辞…"/>
+          <p:cNvSpPr txBox="1"/>
+          <p:nvPr/>
+        </p:nvSpPr>
+        <p:spPr>
+          <a:xfrm>
+            <a:off x="1067593" y="2614612"/>
+            <a:ext cx="20428586" cy="1920876"/>
           </a:xfrm>
           <a:prstGeom prst="rect">
             <a:avLst/>
@@ -3489,7 +3528,7 @@
               <a:defRPr sz="5000"/>
             </a:pPr>
             <a:r>
-              <a:t>画面：切入 “小猪快跑” VR 体验馆 正面图  </a:t>
+              <a:t>画面：有一个人站在旁边，说着介绍辞</a:t>
             </a:r>
           </a:p>
           <a:p>
@@ -3497,7 +3536,7 @@
               <a:defRPr sz="5000"/>
             </a:pPr>
             <a:r>
-              <a:t>动作：模拟一个人从正面正门口进入的感觉</a:t>
+              <a:t>动作：“欢迎。。。。我们这是。。。带上眼镜，你将体验不一样的世界”</a:t>
             </a:r>
           </a:p>
         </p:txBody>
@@ -3530,7 +3569,7 @@
       </p:grpSpPr>
       <p:sp>
         <p:nvSpPr>
-          <p:cNvPr id="149" name="此为产品介绍"/>
+          <p:cNvPr id="150" name="此为产品介绍"/>
           <p:cNvSpPr txBox="1"/>
           <p:nvPr/>
         </p:nvSpPr>
@@ -3570,14 +3609,14 @@
       </p:sp>
       <p:sp>
         <p:nvSpPr>
-          <p:cNvPr id="150" name="画面：有一个人站在旁边，说着介绍辞…"/>
+          <p:cNvPr id="151" name="覆盖常见 10 多种灾难"/>
           <p:cNvSpPr txBox="1"/>
           <p:nvPr/>
         </p:nvSpPr>
         <p:spPr>
           <a:xfrm>
-            <a:off x="1067593" y="2614612"/>
-            <a:ext cx="20428586" cy="1920876"/>
+            <a:off x="1353343" y="3606800"/>
+            <a:ext cx="6294756" cy="1031875"/>
           </a:xfrm>
           <a:prstGeom prst="rect">
             <a:avLst/>
@@ -3595,21 +3634,15 @@
           <a:bodyPr wrap="none" lIns="71437" tIns="71437" rIns="71437" bIns="71437" anchor="ctr">
             <a:spAutoFit/>
           </a:bodyPr>
-          <a:lstStyle/>
-          <a:p>
-            <a:pPr algn="l">
+          <a:lstStyle>
+            <a:lvl1pPr algn="l">
               <a:defRPr sz="5000"/>
-            </a:pPr>
-            <a:r>
-              <a:t>画面：有一个人站在旁边，说着介绍辞</a:t>
-            </a:r>
-          </a:p>
-          <a:p>
-            <a:pPr algn="l">
-              <a:defRPr sz="5000"/>
-            </a:pPr>
-            <a:r>
-              <a:t>动作：“欢迎。。。。我们这是。。。带上眼镜，你将体验不一样的世界”</a:t>
+            </a:lvl1pPr>
+          </a:lstStyle>
+          <a:p>
+            <a:pPr/>
+            <a:r>
+              <a:t>覆盖常见 10 多种灾难</a:t>
             </a:r>
           </a:p>
         </p:txBody>
@@ -3642,7 +3675,7 @@
       </p:grpSpPr>
       <p:sp>
         <p:nvSpPr>
-          <p:cNvPr id="152" name="此为产品介绍"/>
+          <p:cNvPr id="153" name="此为产品介绍"/>
           <p:cNvSpPr txBox="1"/>
           <p:nvPr/>
         </p:nvSpPr>
@@ -3682,14 +3715,14 @@
       </p:sp>
       <p:sp>
         <p:nvSpPr>
-          <p:cNvPr id="153" name="覆盖常见 10 多种灾难"/>
+          <p:cNvPr id="154" name="5D 立体体验，高度还原现场"/>
           <p:cNvSpPr txBox="1"/>
           <p:nvPr/>
         </p:nvSpPr>
         <p:spPr>
           <a:xfrm>
             <a:off x="1353343" y="3606800"/>
-            <a:ext cx="6294756" cy="1031875"/>
+            <a:ext cx="8140701" cy="1031875"/>
           </a:xfrm>
           <a:prstGeom prst="rect">
             <a:avLst/>
@@ -3715,7 +3748,7 @@
           <a:p>
             <a:pPr/>
             <a:r>
-              <a:t>覆盖常见 10 多种灾难</a:t>
+              <a:t>5D 立体体验，高度还原现场</a:t>
             </a:r>
           </a:p>
         </p:txBody>
@@ -3748,7 +3781,7 @@
       </p:grpSpPr>
       <p:sp>
         <p:nvSpPr>
-          <p:cNvPr id="155" name="此为产品介绍"/>
+          <p:cNvPr id="156" name="此为产品介绍"/>
           <p:cNvSpPr txBox="1"/>
           <p:nvPr/>
         </p:nvSpPr>
@@ -3788,14 +3821,14 @@
       </p:sp>
       <p:sp>
         <p:nvSpPr>
-          <p:cNvPr id="156" name="5D 立体体验，高度还原现场"/>
+          <p:cNvPr id="157" name="闯关式设计，先学习知识再游戏"/>
           <p:cNvSpPr txBox="1"/>
           <p:nvPr/>
         </p:nvSpPr>
         <p:spPr>
           <a:xfrm>
             <a:off x="1353343" y="3606800"/>
-            <a:ext cx="8140701" cy="1031875"/>
+            <a:ext cx="9045576" cy="1031875"/>
           </a:xfrm>
           <a:prstGeom prst="rect">
             <a:avLst/>
@@ -3821,7 +3854,7 @@
           <a:p>
             <a:pPr/>
             <a:r>
-              <a:t>5D 立体体验，高度还原现场</a:t>
+              <a:t>闯关式设计，先学习知识再游戏</a:t>
             </a:r>
           </a:p>
         </p:txBody>
@@ -3854,7 +3887,7 @@
       </p:grpSpPr>
       <p:sp>
         <p:nvSpPr>
-          <p:cNvPr id="158" name="此为产品介绍"/>
+          <p:cNvPr id="159" name="此为产品介绍"/>
           <p:cNvSpPr txBox="1"/>
           <p:nvPr/>
         </p:nvSpPr>
@@ -3894,14 +3927,14 @@
       </p:sp>
       <p:sp>
         <p:nvSpPr>
-          <p:cNvPr id="159" name="闯关式设计，先学习知识再游戏"/>
+          <p:cNvPr id="160" name="亲子模式，大人小孩一起玩"/>
           <p:cNvSpPr txBox="1"/>
           <p:nvPr/>
         </p:nvSpPr>
         <p:spPr>
           <a:xfrm>
             <a:off x="1353343" y="3606800"/>
-            <a:ext cx="9045576" cy="1031875"/>
+            <a:ext cx="7775576" cy="1031875"/>
           </a:xfrm>
           <a:prstGeom prst="rect">
             <a:avLst/>
@@ -3927,7 +3960,7 @@
           <a:p>
             <a:pPr/>
             <a:r>
-              <a:t>闯关式设计，先学习知识再游戏</a:t>
+              <a:t>亲子模式，大人小孩一起玩</a:t>
             </a:r>
           </a:p>
         </p:txBody>
@@ -3960,14 +3993,14 @@
       </p:grpSpPr>
       <p:sp>
         <p:nvSpPr>
-          <p:cNvPr id="161" name="此为产品介绍"/>
+          <p:cNvPr id="162" name="画面：体验馆正门口，孩子坐在爸爸肩上，妈妈抚着孩子…"/>
           <p:cNvSpPr txBox="1"/>
           <p:nvPr/>
         </p:nvSpPr>
         <p:spPr>
           <a:xfrm>
-            <a:off x="734218" y="1201737"/>
-            <a:ext cx="3965576" cy="1031876"/>
+            <a:off x="1281906" y="2566987"/>
+            <a:ext cx="16207106" cy="1920876"/>
           </a:xfrm>
           <a:prstGeom prst="rect">
             <a:avLst/>
@@ -3985,55 +4018,21 @@
           <a:bodyPr wrap="none" lIns="71437" tIns="71437" rIns="71437" bIns="71437" anchor="ctr">
             <a:spAutoFit/>
           </a:bodyPr>
-          <a:lstStyle>
-            <a:lvl1pPr algn="l">
+          <a:lstStyle/>
+          <a:p>
+            <a:pPr algn="l">
               <a:defRPr sz="5000"/>
-            </a:lvl1pPr>
-          </a:lstStyle>
-          <a:p>
-            <a:pPr/>
-            <a:r>
-              <a:t>此为产品介绍</a:t>
-            </a:r>
-          </a:p>
-        </p:txBody>
-      </p:sp>
-      <p:sp>
-        <p:nvSpPr>
-          <p:cNvPr id="162" name="亲子模式，大人小孩一起玩"/>
-          <p:cNvSpPr txBox="1"/>
-          <p:nvPr/>
-        </p:nvSpPr>
-        <p:spPr>
-          <a:xfrm>
-            <a:off x="1353343" y="3606800"/>
-            <a:ext cx="7775576" cy="1031875"/>
-          </a:xfrm>
-          <a:prstGeom prst="rect">
-            <a:avLst/>
-          </a:prstGeom>
-          <a:ln w="12700">
-            <a:miter lim="400000"/>
-          </a:ln>
-          <a:extLst>
-            <a:ext uri="{C572A759-6A51-4108-AA02-DFA0A04FC94B}">
-              <ma14:wrappingTextBoxFlag xmlns:ma14="http://schemas.microsoft.com/office/mac/drawingml/2011/main" val="1"/>
-            </a:ext>
-          </a:extLst>
-        </p:spPr>
-        <p:txBody>
-          <a:bodyPr wrap="none" lIns="71437" tIns="71437" rIns="71437" bIns="71437" anchor="ctr">
-            <a:spAutoFit/>
-          </a:bodyPr>
-          <a:lstStyle>
-            <a:lvl1pPr algn="l">
+            </a:pPr>
+            <a:r>
+              <a:t>画面：体验馆正门口，孩子坐在爸爸肩上，妈妈抚着孩子</a:t>
+            </a:r>
+          </a:p>
+          <a:p>
+            <a:pPr algn="l">
               <a:defRPr sz="5000"/>
-            </a:lvl1pPr>
-          </a:lstStyle>
-          <a:p>
-            <a:pPr/>
-            <a:r>
-              <a:t>亲子模式，大人小孩一起玩</a:t>
+            </a:pPr>
+            <a:r>
+              <a:t>对话泡：孩子奶音 “今天真好玩，我下次还要过来玩”</a:t>
             </a:r>
           </a:p>
         </p:txBody>
@@ -4134,14 +4133,54 @@
       </p:grpSpPr>
       <p:sp>
         <p:nvSpPr>
-          <p:cNvPr id="164" name="画面：体验馆正门口，爸爸肩上坐着孩子…"/>
+          <p:cNvPr id="164" name="安全才是送好孩子最好的礼物"/>
           <p:cNvSpPr txBox="1"/>
           <p:nvPr/>
         </p:nvSpPr>
         <p:spPr>
           <a:xfrm>
-            <a:off x="1281906" y="2566987"/>
-            <a:ext cx="14890116" cy="1920876"/>
+            <a:off x="7986712" y="6123489"/>
+            <a:ext cx="8410576" cy="1031876"/>
+          </a:xfrm>
+          <a:prstGeom prst="rect">
+            <a:avLst/>
+          </a:prstGeom>
+          <a:ln w="12700">
+            <a:miter lim="400000"/>
+          </a:ln>
+          <a:extLst>
+            <a:ext uri="{C572A759-6A51-4108-AA02-DFA0A04FC94B}">
+              <ma14:wrappingTextBoxFlag xmlns:ma14="http://schemas.microsoft.com/office/mac/drawingml/2011/main" val="1"/>
+            </a:ext>
+          </a:extLst>
+        </p:spPr>
+        <p:txBody>
+          <a:bodyPr wrap="none" lIns="71437" tIns="71437" rIns="71437" bIns="71437" anchor="ctr">
+            <a:spAutoFit/>
+          </a:bodyPr>
+          <a:lstStyle>
+            <a:lvl1pPr algn="l">
+              <a:defRPr sz="5000"/>
+            </a:lvl1pPr>
+          </a:lstStyle>
+          <a:p>
+            <a:pPr/>
+            <a:r>
+              <a:t>安全才是送好孩子最好的礼物</a:t>
+            </a:r>
+          </a:p>
+        </p:txBody>
+      </p:sp>
+      <p:sp>
+        <p:nvSpPr>
+          <p:cNvPr id="165" name="画面：另一个家庭，妈妈给了孩子一边 VR 体验馆门票，爸爸也是站旁边啦~…"/>
+          <p:cNvSpPr txBox="1"/>
+          <p:nvPr/>
+        </p:nvSpPr>
+        <p:spPr>
+          <a:xfrm>
+            <a:off x="1065271" y="1476768"/>
+            <a:ext cx="21609686" cy="1939295"/>
           </a:xfrm>
           <a:prstGeom prst="rect">
             <a:avLst/>
@@ -4165,7 +4204,7 @@
               <a:defRPr sz="5000"/>
             </a:pPr>
             <a:r>
-              <a:t>画面：体验馆正门口，爸爸肩上坐着孩子</a:t>
+              <a:t>画面：另一个家庭，妈妈给了孩子一边 VR 体验馆门票，爸爸也是站旁边啦~</a:t>
             </a:r>
           </a:p>
           <a:p>
@@ -4173,7 +4212,7 @@
               <a:defRPr sz="5000"/>
             </a:pPr>
             <a:r>
-              <a:t>对话泡：孩子奶音 “今天真好玩，我下次还要过来玩”</a:t>
+              <a:t>（画面可和前面高度雷图，但人物不一样，制作熟悉感）</a:t>
             </a:r>
           </a:p>
         </p:txBody>
@@ -4206,119 +4245,7 @@
       </p:grpSpPr>
       <p:sp>
         <p:nvSpPr>
-          <p:cNvPr id="166" name="安全才是送好孩子最好的礼物"/>
-          <p:cNvSpPr txBox="1"/>
-          <p:nvPr/>
-        </p:nvSpPr>
-        <p:spPr>
-          <a:xfrm>
-            <a:off x="7986712" y="6123489"/>
-            <a:ext cx="8410576" cy="1031876"/>
-          </a:xfrm>
-          <a:prstGeom prst="rect">
-            <a:avLst/>
-          </a:prstGeom>
-          <a:ln w="12700">
-            <a:miter lim="400000"/>
-          </a:ln>
-          <a:extLst>
-            <a:ext uri="{C572A759-6A51-4108-AA02-DFA0A04FC94B}">
-              <ma14:wrappingTextBoxFlag xmlns:ma14="http://schemas.microsoft.com/office/mac/drawingml/2011/main" val="1"/>
-            </a:ext>
-          </a:extLst>
-        </p:spPr>
-        <p:txBody>
-          <a:bodyPr wrap="none" lIns="71437" tIns="71437" rIns="71437" bIns="71437" anchor="ctr">
-            <a:spAutoFit/>
-          </a:bodyPr>
-          <a:lstStyle>
-            <a:lvl1pPr algn="l">
-              <a:defRPr sz="5000"/>
-            </a:lvl1pPr>
-          </a:lstStyle>
-          <a:p>
-            <a:pPr/>
-            <a:r>
-              <a:t>安全才是送好孩子最好的礼物</a:t>
-            </a:r>
-          </a:p>
-        </p:txBody>
-      </p:sp>
-      <p:sp>
-        <p:nvSpPr>
-          <p:cNvPr id="167" name="画面：另一个家庭，妈妈给了孩子一边 VR 体验馆门票，爸爸也是站旁边啦~…"/>
-          <p:cNvSpPr txBox="1"/>
-          <p:nvPr/>
-        </p:nvSpPr>
-        <p:spPr>
-          <a:xfrm>
-            <a:off x="1065271" y="1476768"/>
-            <a:ext cx="21609686" cy="1939295"/>
-          </a:xfrm>
-          <a:prstGeom prst="rect">
-            <a:avLst/>
-          </a:prstGeom>
-          <a:ln w="12700">
-            <a:miter lim="400000"/>
-          </a:ln>
-          <a:extLst>
-            <a:ext uri="{C572A759-6A51-4108-AA02-DFA0A04FC94B}">
-              <ma14:wrappingTextBoxFlag xmlns:ma14="http://schemas.microsoft.com/office/mac/drawingml/2011/main" val="1"/>
-            </a:ext>
-          </a:extLst>
-        </p:spPr>
-        <p:txBody>
-          <a:bodyPr wrap="none" lIns="71437" tIns="71437" rIns="71437" bIns="71437" anchor="ctr">
-            <a:spAutoFit/>
-          </a:bodyPr>
-          <a:lstStyle/>
-          <a:p>
-            <a:pPr algn="l">
-              <a:defRPr sz="5000"/>
-            </a:pPr>
-            <a:r>
-              <a:t>画面：另一个家庭，妈妈给了孩子一边 VR 体验馆门票，爸爸也是站旁边啦~</a:t>
-            </a:r>
-          </a:p>
-          <a:p>
-            <a:pPr algn="l">
-              <a:defRPr sz="5000"/>
-            </a:pPr>
-            <a:r>
-              <a:t>（画面可和前面高度雷图，但人物不一样，制作熟悉感）</a:t>
-            </a:r>
-          </a:p>
-        </p:txBody>
-      </p:sp>
-    </p:spTree>
-  </p:cSld>
-  <p:clrMapOvr>
-    <a:masterClrMapping/>
-  </p:clrMapOvr>
-  <p:transition xmlns:p14="http://schemas.microsoft.com/office/powerpoint/2010/main" spd="med" advClick="1"/>
-</p:sld>
-</file>
-
-<file path=ppt/slides/slide22.xml><?xml version="1.0" encoding="utf-8"?>
-<p:sld xmlns:a="http://schemas.openxmlformats.org/drawingml/2006/main" xmlns:r="http://schemas.openxmlformats.org/officeDocument/2006/relationships" xmlns:p="http://schemas.openxmlformats.org/presentationml/2006/main" showMasterSp="1" showMasterPhAnim="1">
-  <p:cSld>
-    <p:spTree>
-      <p:nvGrpSpPr>
-        <p:cNvPr id="1" name=""/>
-        <p:cNvGrpSpPr/>
-        <p:nvPr/>
-      </p:nvGrpSpPr>
-      <p:grpSpPr>
-        <a:xfrm>
-          <a:off x="0" y="0"/>
-          <a:ext cx="0" cy="0"/>
-          <a:chOff x="0" y="0"/>
-          <a:chExt cx="0" cy="0"/>
-        </a:xfrm>
-      </p:grpSpPr>
-      <p:sp>
-        <p:nvSpPr>
-          <p:cNvPr id="169" name="“小猪快跑” VR 体验馆…"/>
+          <p:cNvPr id="167" name="“小猪快跑” VR 体验馆…"/>
           <p:cNvSpPr txBox="1"/>
           <p:nvPr/>
         </p:nvSpPr>
@@ -4639,14 +4566,14 @@
       </p:grpSpPr>
       <p:sp>
         <p:nvSpPr>
-          <p:cNvPr id="131" name="画面：回到现实现桌前，蛋糕已经被打开，爸爸正在往蜡烛上插蜡烛…"/>
+          <p:cNvPr id="131" name="画面：回到现实现桌前，蛋糕已经被打开，爸爸正在往蛋糕插蜡烛…"/>
           <p:cNvSpPr txBox="1"/>
           <p:nvPr/>
         </p:nvSpPr>
         <p:spPr>
           <a:xfrm>
             <a:off x="1162843" y="1875152"/>
-            <a:ext cx="19382106" cy="2828296"/>
+            <a:ext cx="18747106" cy="2828296"/>
           </a:xfrm>
           <a:prstGeom prst="rect">
             <a:avLst/>
@@ -4670,7 +4597,7 @@
               <a:defRPr sz="5000"/>
             </a:pPr>
             <a:r>
-              <a:t>画面：回到现实现桌前，蛋糕已经被打开，爸爸正在往蜡烛上插蜡烛</a:t>
+              <a:t>画面：回到现实现桌前，蛋糕已经被打开，爸爸正在往蛋糕插蜡烛</a:t>
             </a:r>
           </a:p>
           <a:p>
@@ -4686,7 +4613,7 @@
               <a:defRPr sz="5000"/>
             </a:pPr>
             <a:r>
-              <a:t>妈妈微笑地看着孩子</a:t>
+              <a:t>妈妈微笑地看着孩子，眼里充满爱</a:t>
             </a:r>
           </a:p>
         </p:txBody>
@@ -4719,14 +4646,14 @@
       </p:grpSpPr>
       <p:sp>
         <p:nvSpPr>
-          <p:cNvPr id="133" name="画面：回到现实现桌前，蛋糕已经被打开，爸爸正在往蜡烛上插蜡烛…"/>
+          <p:cNvPr id="133" name="画面：爸爸给蜡烛点上火，已经有 3 支蜡烛点上火；孩子伸手去摸火，…"/>
           <p:cNvSpPr txBox="1"/>
           <p:nvPr/>
         </p:nvSpPr>
         <p:spPr>
           <a:xfrm>
             <a:off x="1162843" y="1875152"/>
-            <a:ext cx="19382106" cy="2828296"/>
+            <a:ext cx="20088226" cy="2828296"/>
           </a:xfrm>
           <a:prstGeom prst="rect">
             <a:avLst/>
@@ -4750,7 +4677,7 @@
               <a:defRPr sz="5000"/>
             </a:pPr>
             <a:r>
-              <a:t>画面：回到现实现桌前，蛋糕已经被打开，爸爸正在往蜡烛上插蜡烛</a:t>
+              <a:t>画面：爸爸给蜡烛点上火，已经有 3 支蜡烛点上火；孩子伸手去摸火，</a:t>
             </a:r>
           </a:p>
           <a:p>
@@ -4758,7 +4685,7 @@
               <a:defRPr sz="5000"/>
             </a:pPr>
             <a:r>
-              <a:t>对话泡： 孩子在数，“ 1 支、2 支、3 支”</a:t>
+              <a:t>眼睛充满好奇；妈妈的眼里却有一些惊慌</a:t>
             </a:r>
           </a:p>
           <a:p>
@@ -4766,7 +4693,7 @@
               <a:defRPr sz="5000"/>
             </a:pPr>
             <a:r>
-              <a:t>妈妈微笑地看着孩子，眼里充满爱</a:t>
+              <a:t>对话泡：孩子喊着 “火….”</a:t>
             </a:r>
           </a:p>
         </p:txBody>
@@ -4799,14 +4726,14 @@
       </p:grpSpPr>
       <p:sp>
         <p:nvSpPr>
-          <p:cNvPr id="135" name="画面：爸爸给蜡烛点上火，已经有 3 支蜡烛点上火；孩子看着火，眼睛充满好奇…"/>
+          <p:cNvPr id="135" name="画面：切换回忆（透过火，妈妈回忆起她小时候的故事）、大火熊熊燃烧…"/>
           <p:cNvSpPr txBox="1"/>
           <p:nvPr/>
         </p:nvSpPr>
         <p:spPr>
           <a:xfrm>
-            <a:off x="1162843" y="1865943"/>
-            <a:ext cx="22628226" cy="2846714"/>
+            <a:off x="366712" y="1658937"/>
+            <a:ext cx="23827106" cy="2809876"/>
           </a:xfrm>
           <a:prstGeom prst="rect">
             <a:avLst/>
@@ -4830,7 +4757,7 @@
               <a:defRPr sz="5000"/>
             </a:pPr>
             <a:r>
-              <a:t>画面：爸爸给蜡烛点上火，已经有 3 支蜡烛点上火；孩子看着火，眼睛充满好奇</a:t>
+              <a:t>画面：切换回忆（透过火，妈妈回忆起她小时候的故事）、大火熊熊燃烧</a:t>
             </a:r>
           </a:p>
           <a:p>
@@ -4838,7 +4765,7 @@
               <a:defRPr sz="5000"/>
             </a:pPr>
             <a:r>
-              <a:t>对话泡：孩子喊着 “火….”</a:t>
+              <a:t>画面：大火熊熊燃烧，妈妈在屋子中间哇哇大哭；妈妈的妈妈正破门而入，准备救她</a:t>
             </a:r>
           </a:p>
           <a:p>
@@ -4846,7 +4773,7 @@
               <a:defRPr sz="5000"/>
             </a:pPr>
             <a:r>
-              <a:t>动作：孩子伸手去摸火</a:t>
+              <a:t>对话泡：小妈妈喊着 “妈妈、妈妈”  姥姥 “别怕，妈妈来了”</a:t>
             </a:r>
           </a:p>
         </p:txBody>
@@ -4879,14 +4806,14 @@
       </p:grpSpPr>
       <p:sp>
         <p:nvSpPr>
-          <p:cNvPr id="137" name="画面：切换回忆（透过火，妈妈回忆起她小时候的故事）、大火熊熊燃烧…"/>
+          <p:cNvPr id="137" name="画面：在医院，孩子抱着妈妈，妈妈搂着孩子…"/>
           <p:cNvSpPr txBox="1"/>
           <p:nvPr/>
         </p:nvSpPr>
         <p:spPr>
           <a:xfrm>
-            <a:off x="366712" y="1646237"/>
-            <a:ext cx="23827106" cy="2809876"/>
+            <a:off x="1162843" y="2328862"/>
+            <a:ext cx="19359246" cy="1920876"/>
           </a:xfrm>
           <a:prstGeom prst="rect">
             <a:avLst/>
@@ -4910,7 +4837,7 @@
               <a:defRPr sz="5000"/>
             </a:pPr>
             <a:r>
-              <a:t>画面：切换回忆（透过火，妈妈回忆起她小时候的故事）、大火熊熊燃烧</a:t>
+              <a:t>画面：在医院，孩子抱着妈妈，妈妈搂着孩子</a:t>
             </a:r>
           </a:p>
           <a:p>
@@ -4918,15 +4845,7 @@
               <a:defRPr sz="5000"/>
             </a:pPr>
             <a:r>
-              <a:t>画面：大火熊熊燃烧，妈妈在屋子中间哇哇大哭；妈妈的妈妈正破门而入，准备救她</a:t>
-            </a:r>
-          </a:p>
-          <a:p>
-            <a:pPr algn="l">
-              <a:defRPr sz="5000"/>
-            </a:pPr>
-            <a:r>
-              <a:t>对话泡：小妈妈喊着 “妈妈、妈妈”  姥姥 “别怕，妈妈来了”</a:t>
+              <a:t>对话泡：小妈妈 “妈妈，你没事吧”  ；姥姥 “ 小不点，你要健康平安”</a:t>
             </a:r>
           </a:p>
         </p:txBody>
